--- a/Reto visualización.pptx
+++ b/Reto visualización.pptx
@@ -5055,31 +5055,66 @@
           </a:p>
         </p:txBody>
       </p:sp>
-      <p:sp>
-        <p:nvSpPr>
-          <p:cNvPr id="3" name="Marcador de contenido 2">
-            <a:extLst>
-              <a:ext uri="{FF2B5EF4-FFF2-40B4-BE49-F238E27FC236}">
-                <a16:creationId xmlns:a16="http://schemas.microsoft.com/office/drawing/2014/main" id="{45441D3A-E891-145C-85F4-18E15DCE1639}"/>
-              </a:ext>
-            </a:extLst>
-          </p:cNvPr>
-          <p:cNvSpPr>
-            <a:spLocks noGrp="1"/>
-          </p:cNvSpPr>
-          <p:nvPr>
-            <p:ph idx="1"/>
-          </p:nvPr>
-        </p:nvSpPr>
-        <p:spPr/>
-        <p:txBody>
-          <a:bodyPr/>
-          <a:lstStyle/>
-          <a:p>
-            <a:endParaRPr lang="es-ES" dirty="0"/>
-          </a:p>
-        </p:txBody>
-      </p:sp>
+      <p:pic>
+        <p:nvPicPr>
+          <p:cNvPr id="5" name="Imagen 4">
+            <a:extLst>
+              <a:ext uri="{FF2B5EF4-FFF2-40B4-BE49-F238E27FC236}">
+                <a16:creationId xmlns:a16="http://schemas.microsoft.com/office/drawing/2014/main" id="{33A52ECF-26B9-371E-0D40-5EE0B2A2FC1E}"/>
+              </a:ext>
+            </a:extLst>
+          </p:cNvPr>
+          <p:cNvPicPr>
+            <a:picLocks noChangeAspect="1"/>
+          </p:cNvPicPr>
+          <p:nvPr/>
+        </p:nvPicPr>
+        <p:blipFill>
+          <a:blip r:embed="rId2"/>
+          <a:stretch>
+            <a:fillRect/>
+          </a:stretch>
+        </p:blipFill>
+        <p:spPr>
+          <a:xfrm>
+            <a:off x="756086" y="2217402"/>
+            <a:ext cx="5507916" cy="3396464"/>
+          </a:xfrm>
+          <a:prstGeom prst="rect">
+            <a:avLst/>
+          </a:prstGeom>
+        </p:spPr>
+      </p:pic>
+      <p:pic>
+        <p:nvPicPr>
+          <p:cNvPr id="7" name="Imagen 6">
+            <a:extLst>
+              <a:ext uri="{FF2B5EF4-FFF2-40B4-BE49-F238E27FC236}">
+                <a16:creationId xmlns:a16="http://schemas.microsoft.com/office/drawing/2014/main" id="{6E635AD6-F09A-E9EC-38CA-CE70C96427CE}"/>
+              </a:ext>
+            </a:extLst>
+          </p:cNvPr>
+          <p:cNvPicPr>
+            <a:picLocks noChangeAspect="1"/>
+          </p:cNvPicPr>
+          <p:nvPr/>
+        </p:nvPicPr>
+        <p:blipFill>
+          <a:blip r:embed="rId3"/>
+          <a:stretch>
+            <a:fillRect/>
+          </a:stretch>
+        </p:blipFill>
+        <p:spPr>
+          <a:xfrm>
+            <a:off x="6749464" y="1371601"/>
+            <a:ext cx="4686450" cy="4759904"/>
+          </a:xfrm>
+          <a:prstGeom prst="rect">
+            <a:avLst/>
+          </a:prstGeom>
+        </p:spPr>
+      </p:pic>
     </p:spTree>
     <p:extLst>
       <p:ext uri="{BB962C8B-B14F-4D97-AF65-F5344CB8AC3E}">

--- a/Reto visualización.pptx
+++ b/Reto visualización.pptx
@@ -4246,8 +4246,13 @@
             <a:pPr algn="ctr"/>
             <a:r>
               <a:rPr lang="es-ES" dirty="0"/>
-              <a:t>main.py</a:t>
-            </a:r>
+              <a:t>Docker-</a:t>
+            </a:r>
+            <a:r>
+              <a:rPr lang="es-ES" dirty="0" err="1"/>
+              <a:t>compose</a:t>
+            </a:r>
+            <a:endParaRPr lang="es-ES" dirty="0"/>
           </a:p>
         </p:txBody>
       </p:sp>
@@ -4361,6 +4366,7 @@
             </a:extLst>
           </p:cNvPr>
           <p:cNvCxnSpPr>
+            <a:cxnSpLocks/>
             <a:stCxn id="4" idx="3"/>
             <a:endCxn id="5" idx="1"/>
           </p:cNvCxnSpPr>
@@ -4403,6 +4409,7 @@
             </a:extLst>
           </p:cNvPr>
           <p:cNvCxnSpPr>
+            <a:cxnSpLocks/>
             <a:stCxn id="5" idx="3"/>
             <a:endCxn id="6" idx="1"/>
           </p:cNvCxnSpPr>
